--- a/Cardio_Disease.pptx
+++ b/Cardio_Disease.pptx
@@ -3844,31 +3844,62 @@
         </p:nvSpPr>
         <p:spPr/>
         <p:txBody>
-          <a:bodyPr/>
-          <a:lstStyle/>
-          <a:p>
-            <a:r>
-              <a:rPr lang="en-US" dirty="0" err="1"/>
+          <a:bodyPr>
+            <a:normAutofit lnSpcReduction="10000"/>
+          </a:bodyPr>
+          <a:lstStyle/>
+          <a:p>
+            <a:r>
+              <a:rPr lang="en-US" sz="3200" dirty="0" err="1"/>
               <a:t>Ap_hi</a:t>
             </a:r>
             <a:r>
-              <a:rPr lang="en-US" dirty="0"/>
-              <a:t> and Ap_ were the features with the most importance.</a:t>
-            </a:r>
-          </a:p>
-          <a:p>
-            <a:r>
-              <a:rPr lang="en-US" dirty="0"/>
-              <a:t>This implies that there average </a:t>
-            </a:r>
-            <a:r>
-              <a:rPr lang="en-US" dirty="0" err="1"/>
+              <a:rPr lang="en-US" sz="3200" dirty="0"/>
+              <a:t> and </a:t>
+            </a:r>
+            <a:r>
+              <a:rPr lang="en-US" sz="3200" dirty="0" err="1"/>
+              <a:t>Ap_lo</a:t>
+            </a:r>
+            <a:r>
+              <a:rPr lang="en-US" sz="3200" dirty="0"/>
+              <a:t> were the features with the most importance.</a:t>
+            </a:r>
+          </a:p>
+          <a:p>
+            <a:pPr marL="0" indent="0">
+              <a:buNone/>
+            </a:pPr>
+            <a:endParaRPr lang="en-US" sz="3200" dirty="0"/>
+          </a:p>
+          <a:p>
+            <a:r>
+              <a:rPr lang="en-US" sz="3200" dirty="0"/>
+              <a:t>This implies that their average </a:t>
+            </a:r>
+            <a:r>
+              <a:rPr lang="en-US" sz="3200" dirty="0" err="1"/>
               <a:t>gini</a:t>
             </a:r>
             <a:r>
-              <a:rPr lang="en-US" dirty="0"/>
+              <a:rPr lang="en-US" sz="3200" dirty="0"/>
               <a:t> impurity value was the highest, meaning if it randomly chosen from the set it will be incorrectly labeled for determining cardiovascular disease. </a:t>
             </a:r>
+          </a:p>
+          <a:p>
+            <a:endParaRPr lang="en-US" sz="3200" dirty="0"/>
+          </a:p>
+          <a:p>
+            <a:r>
+              <a:rPr lang="en-US" sz="3200" dirty="0"/>
+              <a:t>A possible explanation for this is that there is a high variance in values for these two features. </a:t>
+            </a:r>
+          </a:p>
+          <a:p>
+            <a:endParaRPr lang="en-US" sz="3600" dirty="0"/>
+          </a:p>
+          <a:p>
+            <a:endParaRPr lang="en-US" sz="3600" dirty="0"/>
           </a:p>
         </p:txBody>
       </p:sp>
